--- a/NodeJS/lesson_34/Presentation/socket.io.pptx
+++ b/NodeJS/lesson_34/Presentation/socket.io.pptx
@@ -213,7 +213,7 @@
             <a:fld id="{7C8C4BEB-D132-4A19-A96A-DED07A2A20C8}" type="datetimeFigureOut">
               <a:rPr lang="uk-UA" smtClean="0"/>
               <a:pPr/>
-              <a:t>07.10.2016</a:t>
+              <a:t>29.05.2017</a:t>
             </a:fld>
             <a:endParaRPr lang="uk-UA"/>
           </a:p>
@@ -3014,7 +3014,7 @@
         <p:spPr>
           <a:xfrm>
             <a:off x="539552" y="1484784"/>
-            <a:ext cx="3888432" cy="1754326"/>
+            <a:ext cx="3888432" cy="1477328"/>
           </a:xfrm>
           <a:prstGeom prst="rect">
             <a:avLst/>
@@ -3069,58 +3069,41 @@
               <a:rPr lang="en-US" dirty="0">
                 <a:latin typeface="Calibri" pitchFamily="34" charset="0"/>
               </a:rPr>
-              <a:t> app = require('express')(); </a:t>
+              <a:t> server = require('http').Server(app); </a:t>
+            </a:r>
+            <a:r>
+              <a:rPr lang="en-US" dirty="0" err="1">
+                <a:latin typeface="Calibri" pitchFamily="34" charset="0"/>
+              </a:rPr>
+              <a:t>var</a:t>
+            </a:r>
+            <a:r>
+              <a:rPr lang="en-US" dirty="0">
+                <a:latin typeface="Calibri" pitchFamily="34" charset="0"/>
+              </a:rPr>
+              <a:t> </a:t>
+            </a:r>
+            <a:r>
+              <a:rPr lang="en-US" dirty="0" err="1">
+                <a:latin typeface="Calibri" pitchFamily="34" charset="0"/>
+              </a:rPr>
+              <a:t>io</a:t>
+            </a:r>
+            <a:r>
+              <a:rPr lang="en-US" dirty="0">
+                <a:latin typeface="Calibri" pitchFamily="34" charset="0"/>
+              </a:rPr>
+              <a:t> = require('socket.io')(server);</a:t>
             </a:r>
             <a:endParaRPr lang="uk-UA" dirty="0">
               <a:latin typeface="Calibri" pitchFamily="34" charset="0"/>
             </a:endParaRPr>
           </a:p>
           <a:p>
-            <a:r>
-              <a:rPr lang="en-US" dirty="0" err="1">
-                <a:latin typeface="Calibri" pitchFamily="34" charset="0"/>
-              </a:rPr>
-              <a:t>var</a:t>
-            </a:r>
-            <a:r>
-              <a:rPr lang="en-US" dirty="0">
-                <a:latin typeface="Calibri" pitchFamily="34" charset="0"/>
-              </a:rPr>
-              <a:t> server = require('http').Server(app); </a:t>
-            </a:r>
-            <a:r>
-              <a:rPr lang="en-US" dirty="0" err="1">
-                <a:latin typeface="Calibri" pitchFamily="34" charset="0"/>
-              </a:rPr>
-              <a:t>var</a:t>
-            </a:r>
-            <a:r>
-              <a:rPr lang="en-US" dirty="0">
-                <a:latin typeface="Calibri" pitchFamily="34" charset="0"/>
-              </a:rPr>
-              <a:t> </a:t>
-            </a:r>
-            <a:r>
-              <a:rPr lang="en-US" dirty="0" err="1">
-                <a:latin typeface="Calibri" pitchFamily="34" charset="0"/>
-              </a:rPr>
-              <a:t>io</a:t>
-            </a:r>
-            <a:r>
-              <a:rPr lang="en-US" dirty="0">
-                <a:latin typeface="Calibri" pitchFamily="34" charset="0"/>
-              </a:rPr>
-              <a:t> = require('socket.io')(server);</a:t>
-            </a:r>
             <a:endParaRPr lang="uk-UA" dirty="0">
               <a:latin typeface="Calibri" pitchFamily="34" charset="0"/>
             </a:endParaRPr>
           </a:p>
-          <a:p>
-            <a:endParaRPr lang="uk-UA" dirty="0">
-              <a:latin typeface="Calibri" pitchFamily="34" charset="0"/>
-            </a:endParaRPr>
-          </a:p>
         </p:txBody>
       </p:sp>
       <p:sp>
@@ -3132,7 +3115,7 @@
         <p:spPr>
           <a:xfrm>
             <a:off x="4572000" y="1484784"/>
-            <a:ext cx="4032448" cy="1754326"/>
+            <a:ext cx="4032448" cy="1477328"/>
           </a:xfrm>
           <a:prstGeom prst="rect">
             <a:avLst/>
@@ -3199,24 +3182,24 @@
               <a:rPr lang="en-US" dirty="0">
                 <a:latin typeface="Calibri" pitchFamily="34" charset="0"/>
               </a:rPr>
-              <a:t> app = require('express')(); </a:t>
-            </a:r>
-          </a:p>
-          <a:p>
-            <a:r>
-              <a:rPr lang="en-US" dirty="0" err="1">
-                <a:latin typeface="Calibri" pitchFamily="34" charset="0"/>
-              </a:rPr>
-              <a:t>var</a:t>
+              <a:t> </a:t>
             </a:r>
             <a:r>
               <a:rPr lang="en-US" dirty="0">
                 <a:latin typeface="Calibri" pitchFamily="34" charset="0"/>
               </a:rPr>
-              <a:t> server = require('http').Server(app); </a:t>
-            </a:r>
-            <a:r>
-              <a:rPr lang="en-US" dirty="0" err="1">
+              <a:t>server</a:t>
+            </a:r>
+            <a:r>
+              <a:rPr lang="en-US" dirty="0">
+                <a:latin typeface="Calibri" pitchFamily="34" charset="0"/>
+              </a:rPr>
+              <a:t> = require('express')(); </a:t>
+            </a:r>
+          </a:p>
+          <a:p>
+            <a:r>
+              <a:rPr lang="en-US">
                 <a:latin typeface="Calibri" pitchFamily="34" charset="0"/>
               </a:rPr>
               <a:t>var</a:t>
